--- a/docs/figures_for_docs.pptx
+++ b/docs/figures_for_docs.pptx
@@ -6,6 +6,8 @@
   </p:sldMasterIdLst>
   <p:sldIdLst>
     <p:sldId id="256" r:id="rId2"/>
+    <p:sldId id="257" r:id="rId3"/>
+    <p:sldId id="258" r:id="rId4"/>
   </p:sldIdLst>
   <p:sldSz cx="12192000" cy="6858000"/>
   <p:notesSz cx="6858000" cy="9144000"/>
@@ -3363,7 +3365,10 @@
           <a:bodyPr/>
           <a:lstStyle/>
           <a:p>
-            <a:endParaRPr lang="en-US"/>
+            <a:r>
+              <a:rPr lang="en-US" dirty="0"/>
+              <a:t>Figures for DART docs</a:t>
+            </a:r>
           </a:p>
         </p:txBody>
       </p:sp>
@@ -3396,6 +3401,512 @@
     <p:extLst>
       <p:ext uri="{BB962C8B-B14F-4D97-AF65-F5344CB8AC3E}">
         <p14:creationId xmlns:p14="http://schemas.microsoft.com/office/powerpoint/2010/main" val="3380552731"/>
+      </p:ext>
+    </p:extLst>
+  </p:cSld>
+  <p:clrMapOvr>
+    <a:masterClrMapping/>
+  </p:clrMapOvr>
+</p:sld>
+</file>
+
+<file path=ppt/slides/slide2.xml><?xml version="1.0" encoding="utf-8"?>
+<p:sld xmlns:a="http://schemas.openxmlformats.org/drawingml/2006/main" xmlns:r="http://schemas.openxmlformats.org/officeDocument/2006/relationships" xmlns:p="http://schemas.openxmlformats.org/presentationml/2006/main">
+  <p:cSld>
+    <p:spTree>
+      <p:nvGrpSpPr>
+        <p:cNvPr id="1" name=""/>
+        <p:cNvGrpSpPr/>
+        <p:nvPr/>
+      </p:nvGrpSpPr>
+      <p:grpSpPr>
+        <a:xfrm>
+          <a:off x="0" y="0"/>
+          <a:ext cx="0" cy="0"/>
+          <a:chOff x="0" y="0"/>
+          <a:chExt cx="0" cy="0"/>
+        </a:xfrm>
+      </p:grpSpPr>
+      <p:sp>
+        <p:nvSpPr>
+          <p:cNvPr id="2" name="Title 1">
+            <a:extLst>
+              <a:ext uri="{FF2B5EF4-FFF2-40B4-BE49-F238E27FC236}">
+                <a16:creationId xmlns:a16="http://schemas.microsoft.com/office/drawing/2014/main" id="{4AE45CCB-421B-8AE4-6DC3-B55F3282BA80}"/>
+              </a:ext>
+            </a:extLst>
+          </p:cNvPr>
+          <p:cNvSpPr>
+            <a:spLocks noGrp="1"/>
+          </p:cNvSpPr>
+          <p:nvPr>
+            <p:ph type="title"/>
+          </p:nvPr>
+        </p:nvSpPr>
+        <p:spPr/>
+        <p:txBody>
+          <a:bodyPr/>
+          <a:lstStyle/>
+          <a:p>
+            <a:r>
+              <a:rPr lang="en-US" dirty="0"/>
+              <a:t>Quickstart: DART output without filters</a:t>
+            </a:r>
+          </a:p>
+        </p:txBody>
+      </p:sp>
+      <p:sp>
+        <p:nvSpPr>
+          <p:cNvPr id="15" name="TextBox 14">
+            <a:extLst>
+              <a:ext uri="{FF2B5EF4-FFF2-40B4-BE49-F238E27FC236}">
+                <a16:creationId xmlns:a16="http://schemas.microsoft.com/office/drawing/2014/main" id="{F288B65E-A815-C8EA-B5A8-A9A845D6F3E0}"/>
+              </a:ext>
+            </a:extLst>
+          </p:cNvPr>
+          <p:cNvSpPr txBox="1"/>
+          <p:nvPr/>
+        </p:nvSpPr>
+        <p:spPr>
+          <a:xfrm>
+            <a:off x="4890975" y="5368774"/>
+            <a:ext cx="1353063" cy="307777"/>
+          </a:xfrm>
+          <a:prstGeom prst="rect">
+            <a:avLst/>
+          </a:prstGeom>
+          <a:noFill/>
+        </p:spPr>
+        <p:txBody>
+          <a:bodyPr wrap="square">
+            <a:spAutoFit/>
+          </a:bodyPr>
+          <a:lstStyle/>
+          <a:p>
+            <a:pPr algn="ctr"/>
+            <a:r>
+              <a:rPr lang="en-US" sz="1400" dirty="0"/>
+              <a:t>YOZEPECO</a:t>
+            </a:r>
+          </a:p>
+        </p:txBody>
+      </p:sp>
+      <p:sp>
+        <p:nvSpPr>
+          <p:cNvPr id="19" name="TextBox 18">
+            <a:extLst>
+              <a:ext uri="{FF2B5EF4-FFF2-40B4-BE49-F238E27FC236}">
+                <a16:creationId xmlns:a16="http://schemas.microsoft.com/office/drawing/2014/main" id="{552EEE52-5673-0079-E0FA-9C6A83924730}"/>
+              </a:ext>
+            </a:extLst>
+          </p:cNvPr>
+          <p:cNvSpPr txBox="1"/>
+          <p:nvPr/>
+        </p:nvSpPr>
+        <p:spPr>
+          <a:xfrm>
+            <a:off x="7492826" y="5363345"/>
+            <a:ext cx="1385293" cy="307777"/>
+          </a:xfrm>
+          <a:prstGeom prst="rect">
+            <a:avLst/>
+          </a:prstGeom>
+          <a:noFill/>
+        </p:spPr>
+        <p:txBody>
+          <a:bodyPr wrap="square">
+            <a:spAutoFit/>
+          </a:bodyPr>
+          <a:lstStyle/>
+          <a:p>
+            <a:pPr algn="ctr"/>
+            <a:r>
+              <a:rPr lang="en-US" sz="1400" dirty="0"/>
+              <a:t>HOKEHAYA</a:t>
+            </a:r>
+          </a:p>
+        </p:txBody>
+      </p:sp>
+      <p:pic>
+        <p:nvPicPr>
+          <p:cNvPr id="21" name="Picture 20" descr="A molecule model with colorful balls&#10;&#10;Description automatically generated with medium confidence">
+            <a:extLst>
+              <a:ext uri="{FF2B5EF4-FFF2-40B4-BE49-F238E27FC236}">
+                <a16:creationId xmlns:a16="http://schemas.microsoft.com/office/drawing/2014/main" id="{6DF3EB8B-8D63-8009-5EFD-5B10E2869970}"/>
+              </a:ext>
+            </a:extLst>
+          </p:cNvPr>
+          <p:cNvPicPr>
+            <a:picLocks noChangeAspect="1"/>
+          </p:cNvPicPr>
+          <p:nvPr/>
+        </p:nvPicPr>
+        <p:blipFill>
+          <a:blip r:embed="rId2"/>
+          <a:srcRect l="29738" t="24811" r="25696" b="12491"/>
+          <a:stretch/>
+        </p:blipFill>
+        <p:spPr>
+          <a:xfrm>
+            <a:off x="4359663" y="2812978"/>
+            <a:ext cx="2389517" cy="2521292"/>
+          </a:xfrm>
+          <a:prstGeom prst="rect">
+            <a:avLst/>
+          </a:prstGeom>
+        </p:spPr>
+      </p:pic>
+      <p:pic>
+        <p:nvPicPr>
+          <p:cNvPr id="23" name="Picture 22" descr="A structure of a molecule&#10;&#10;Description automatically generated">
+            <a:extLst>
+              <a:ext uri="{FF2B5EF4-FFF2-40B4-BE49-F238E27FC236}">
+                <a16:creationId xmlns:a16="http://schemas.microsoft.com/office/drawing/2014/main" id="{DE698063-CAB9-982E-7376-F5201A410F03}"/>
+              </a:ext>
+            </a:extLst>
+          </p:cNvPr>
+          <p:cNvPicPr>
+            <a:picLocks noChangeAspect="1"/>
+          </p:cNvPicPr>
+          <p:nvPr/>
+        </p:nvPicPr>
+        <p:blipFill>
+          <a:blip r:embed="rId3"/>
+          <a:srcRect l="25533" t="18433" r="21218" b="17717"/>
+          <a:stretch/>
+        </p:blipFill>
+        <p:spPr>
+          <a:xfrm>
+            <a:off x="6783680" y="2807549"/>
+            <a:ext cx="2803586" cy="2521292"/>
+          </a:xfrm>
+          <a:prstGeom prst="rect">
+            <a:avLst/>
+          </a:prstGeom>
+        </p:spPr>
+      </p:pic>
+      <p:pic>
+        <p:nvPicPr>
+          <p:cNvPr id="29" name="Picture 28" descr="A structure of a molecule&#10;&#10;Description automatically generated">
+            <a:extLst>
+              <a:ext uri="{FF2B5EF4-FFF2-40B4-BE49-F238E27FC236}">
+                <a16:creationId xmlns:a16="http://schemas.microsoft.com/office/drawing/2014/main" id="{5DB18FAD-9C75-2BD5-CFD0-B2AE64B3E5C0}"/>
+              </a:ext>
+            </a:extLst>
+          </p:cNvPr>
+          <p:cNvPicPr>
+            <a:picLocks noChangeAspect="1"/>
+          </p:cNvPicPr>
+          <p:nvPr/>
+        </p:nvPicPr>
+        <p:blipFill>
+          <a:blip r:embed="rId4"/>
+          <a:srcRect l="26896" t="21547" r="31264" b="17336"/>
+          <a:stretch/>
+        </p:blipFill>
+        <p:spPr>
+          <a:xfrm>
+            <a:off x="2079201" y="2807548"/>
+            <a:ext cx="2216844" cy="2428683"/>
+          </a:xfrm>
+          <a:prstGeom prst="rect">
+            <a:avLst/>
+          </a:prstGeom>
+        </p:spPr>
+      </p:pic>
+      <p:sp>
+        <p:nvSpPr>
+          <p:cNvPr id="31" name="TextBox 30">
+            <a:extLst>
+              <a:ext uri="{FF2B5EF4-FFF2-40B4-BE49-F238E27FC236}">
+                <a16:creationId xmlns:a16="http://schemas.microsoft.com/office/drawing/2014/main" id="{E2326898-DF19-2EC3-A641-F17350D65EA5}"/>
+              </a:ext>
+            </a:extLst>
+          </p:cNvPr>
+          <p:cNvSpPr txBox="1"/>
+          <p:nvPr/>
+        </p:nvSpPr>
+        <p:spPr>
+          <a:xfrm>
+            <a:off x="2546947" y="5363345"/>
+            <a:ext cx="1277882" cy="307777"/>
+          </a:xfrm>
+          <a:prstGeom prst="rect">
+            <a:avLst/>
+          </a:prstGeom>
+          <a:noFill/>
+        </p:spPr>
+        <p:txBody>
+          <a:bodyPr wrap="square">
+            <a:spAutoFit/>
+          </a:bodyPr>
+          <a:lstStyle/>
+          <a:p>
+            <a:pPr algn="ctr"/>
+            <a:r>
+              <a:rPr lang="en-US" sz="1400" dirty="0"/>
+              <a:t>AMAPIHOJ</a:t>
+            </a:r>
+          </a:p>
+        </p:txBody>
+      </p:sp>
+    </p:spTree>
+    <p:extLst>
+      <p:ext uri="{BB962C8B-B14F-4D97-AF65-F5344CB8AC3E}">
+        <p14:creationId xmlns:p14="http://schemas.microsoft.com/office/powerpoint/2010/main" val="944341891"/>
+      </p:ext>
+    </p:extLst>
+  </p:cSld>
+  <p:clrMapOvr>
+    <a:masterClrMapping/>
+  </p:clrMapOvr>
+</p:sld>
+</file>
+
+<file path=ppt/slides/slide3.xml><?xml version="1.0" encoding="utf-8"?>
+<p:sld xmlns:a="http://schemas.openxmlformats.org/drawingml/2006/main" xmlns:r="http://schemas.openxmlformats.org/officeDocument/2006/relationships" xmlns:p="http://schemas.openxmlformats.org/presentationml/2006/main">
+  <p:cSld>
+    <p:spTree>
+      <p:nvGrpSpPr>
+        <p:cNvPr id="1" name=""/>
+        <p:cNvGrpSpPr/>
+        <p:nvPr/>
+      </p:nvGrpSpPr>
+      <p:grpSpPr>
+        <a:xfrm>
+          <a:off x="0" y="0"/>
+          <a:ext cx="0" cy="0"/>
+          <a:chOff x="0" y="0"/>
+          <a:chExt cx="0" cy="0"/>
+        </a:xfrm>
+      </p:grpSpPr>
+      <p:sp>
+        <p:nvSpPr>
+          <p:cNvPr id="2" name="Title 1">
+            <a:extLst>
+              <a:ext uri="{FF2B5EF4-FFF2-40B4-BE49-F238E27FC236}">
+                <a16:creationId xmlns:a16="http://schemas.microsoft.com/office/drawing/2014/main" id="{0FE4E843-2693-DC16-FEB6-BBEADE19D476}"/>
+              </a:ext>
+            </a:extLst>
+          </p:cNvPr>
+          <p:cNvSpPr>
+            <a:spLocks noGrp="1"/>
+          </p:cNvSpPr>
+          <p:nvPr>
+            <p:ph type="title"/>
+          </p:nvPr>
+        </p:nvSpPr>
+        <p:spPr/>
+        <p:txBody>
+          <a:bodyPr/>
+          <a:lstStyle/>
+          <a:p>
+            <a:r>
+              <a:rPr lang="en-US" dirty="0"/>
+              <a:t>Quickstart: DART output with filters</a:t>
+            </a:r>
+          </a:p>
+        </p:txBody>
+      </p:sp>
+      <p:sp>
+        <p:nvSpPr>
+          <p:cNvPr id="7" name="TextBox 6">
+            <a:extLst>
+              <a:ext uri="{FF2B5EF4-FFF2-40B4-BE49-F238E27FC236}">
+                <a16:creationId xmlns:a16="http://schemas.microsoft.com/office/drawing/2014/main" id="{293FC8B4-A0EA-C4ED-EA39-3F85E14A5E1D}"/>
+              </a:ext>
+            </a:extLst>
+          </p:cNvPr>
+          <p:cNvSpPr txBox="1"/>
+          <p:nvPr/>
+        </p:nvSpPr>
+        <p:spPr>
+          <a:xfrm>
+            <a:off x="4437191" y="5110976"/>
+            <a:ext cx="1239191" cy="307777"/>
+          </a:xfrm>
+          <a:prstGeom prst="rect">
+            <a:avLst/>
+          </a:prstGeom>
+          <a:noFill/>
+        </p:spPr>
+        <p:txBody>
+          <a:bodyPr wrap="square">
+            <a:spAutoFit/>
+          </a:bodyPr>
+          <a:lstStyle/>
+          <a:p>
+            <a:pPr algn="ctr"/>
+            <a:r>
+              <a:rPr lang="en-US" sz="1400" dirty="0"/>
+              <a:t>CIGIBENA</a:t>
+            </a:r>
+          </a:p>
+        </p:txBody>
+      </p:sp>
+      <p:sp>
+        <p:nvSpPr>
+          <p:cNvPr id="11" name="TextBox 10">
+            <a:extLst>
+              <a:ext uri="{FF2B5EF4-FFF2-40B4-BE49-F238E27FC236}">
+                <a16:creationId xmlns:a16="http://schemas.microsoft.com/office/drawing/2014/main" id="{F31A1DFD-1EB0-1149-D7E3-779104D990A2}"/>
+              </a:ext>
+            </a:extLst>
+          </p:cNvPr>
+          <p:cNvSpPr txBox="1"/>
+          <p:nvPr/>
+        </p:nvSpPr>
+        <p:spPr>
+          <a:xfrm>
+            <a:off x="1968986" y="5110976"/>
+            <a:ext cx="1291896" cy="307777"/>
+          </a:xfrm>
+          <a:prstGeom prst="rect">
+            <a:avLst/>
+          </a:prstGeom>
+          <a:noFill/>
+        </p:spPr>
+        <p:txBody>
+          <a:bodyPr wrap="square">
+            <a:spAutoFit/>
+          </a:bodyPr>
+          <a:lstStyle/>
+          <a:p>
+            <a:pPr algn="ctr"/>
+            <a:r>
+              <a:rPr lang="en-US" sz="1400" dirty="0"/>
+              <a:t>ITUXUGEB</a:t>
+            </a:r>
+          </a:p>
+        </p:txBody>
+      </p:sp>
+      <p:sp>
+        <p:nvSpPr>
+          <p:cNvPr id="15" name="TextBox 14">
+            <a:extLst>
+              <a:ext uri="{FF2B5EF4-FFF2-40B4-BE49-F238E27FC236}">
+                <a16:creationId xmlns:a16="http://schemas.microsoft.com/office/drawing/2014/main" id="{495FE8C8-1425-E3FB-13CD-378D29A3A85E}"/>
+              </a:ext>
+            </a:extLst>
+          </p:cNvPr>
+          <p:cNvSpPr txBox="1"/>
+          <p:nvPr/>
+        </p:nvSpPr>
+        <p:spPr>
+          <a:xfrm>
+            <a:off x="6955326" y="5115119"/>
+            <a:ext cx="1321827" cy="307777"/>
+          </a:xfrm>
+          <a:prstGeom prst="rect">
+            <a:avLst/>
+          </a:prstGeom>
+          <a:noFill/>
+        </p:spPr>
+        <p:txBody>
+          <a:bodyPr wrap="square">
+            <a:spAutoFit/>
+          </a:bodyPr>
+          <a:lstStyle/>
+          <a:p>
+            <a:pPr algn="ctr"/>
+            <a:r>
+              <a:rPr lang="en-US" sz="1400" dirty="0"/>
+              <a:t>WOREDEKI</a:t>
+            </a:r>
+          </a:p>
+        </p:txBody>
+      </p:sp>
+      <p:pic>
+        <p:nvPicPr>
+          <p:cNvPr id="19" name="Picture 18" descr="A molecule model with a blue ball&#10;&#10;Description automatically generated with medium confidence">
+            <a:extLst>
+              <a:ext uri="{FF2B5EF4-FFF2-40B4-BE49-F238E27FC236}">
+                <a16:creationId xmlns:a16="http://schemas.microsoft.com/office/drawing/2014/main" id="{FA93E993-1CD7-5725-D63E-8D20F27D812E}"/>
+              </a:ext>
+            </a:extLst>
+          </p:cNvPr>
+          <p:cNvPicPr>
+            <a:picLocks noChangeAspect="1"/>
+          </p:cNvPicPr>
+          <p:nvPr/>
+        </p:nvPicPr>
+        <p:blipFill rotWithShape="1">
+          <a:blip r:embed="rId2"/>
+          <a:srcRect l="27986" t="24260" r="29624" b="26256"/>
+          <a:stretch/>
+        </p:blipFill>
+        <p:spPr>
+          <a:xfrm>
+            <a:off x="1435168" y="2924356"/>
+            <a:ext cx="2359533" cy="2065856"/>
+          </a:xfrm>
+          <a:prstGeom prst="rect">
+            <a:avLst/>
+          </a:prstGeom>
+        </p:spPr>
+      </p:pic>
+      <p:pic>
+        <p:nvPicPr>
+          <p:cNvPr id="21" name="Picture 20" descr="A structure of a molecule&#10;&#10;Description automatically generated">
+            <a:extLst>
+              <a:ext uri="{FF2B5EF4-FFF2-40B4-BE49-F238E27FC236}">
+                <a16:creationId xmlns:a16="http://schemas.microsoft.com/office/drawing/2014/main" id="{4417EC0C-4B48-7180-70AE-734B67107E77}"/>
+              </a:ext>
+            </a:extLst>
+          </p:cNvPr>
+          <p:cNvPicPr>
+            <a:picLocks noChangeAspect="1"/>
+          </p:cNvPicPr>
+          <p:nvPr/>
+        </p:nvPicPr>
+        <p:blipFill>
+          <a:blip r:embed="rId3"/>
+          <a:srcRect l="24975" t="15446" r="29111" b="18907"/>
+          <a:stretch/>
+        </p:blipFill>
+        <p:spPr>
+          <a:xfrm>
+            <a:off x="3801373" y="2323628"/>
+            <a:ext cx="2510829" cy="2692463"/>
+          </a:xfrm>
+          <a:prstGeom prst="rect">
+            <a:avLst/>
+          </a:prstGeom>
+        </p:spPr>
+      </p:pic>
+      <p:pic>
+        <p:nvPicPr>
+          <p:cNvPr id="23" name="Picture 22" descr="A molecule model with a blue ball&#10;&#10;Description automatically generated">
+            <a:extLst>
+              <a:ext uri="{FF2B5EF4-FFF2-40B4-BE49-F238E27FC236}">
+                <a16:creationId xmlns:a16="http://schemas.microsoft.com/office/drawing/2014/main" id="{EA428482-F262-DB0D-0E12-EB2501406B0C}"/>
+              </a:ext>
+            </a:extLst>
+          </p:cNvPr>
+          <p:cNvPicPr>
+            <a:picLocks noChangeAspect="1"/>
+          </p:cNvPicPr>
+          <p:nvPr/>
+        </p:nvPicPr>
+        <p:blipFill>
+          <a:blip r:embed="rId4"/>
+          <a:srcRect l="30551" t="28425" r="26019" b="24199"/>
+          <a:stretch/>
+        </p:blipFill>
+        <p:spPr>
+          <a:xfrm>
+            <a:off x="6288802" y="2898477"/>
+            <a:ext cx="2654876" cy="2172069"/>
+          </a:xfrm>
+          <a:prstGeom prst="rect">
+            <a:avLst/>
+          </a:prstGeom>
+        </p:spPr>
+      </p:pic>
+    </p:spTree>
+    <p:extLst>
+      <p:ext uri="{BB962C8B-B14F-4D97-AF65-F5344CB8AC3E}">
+        <p14:creationId xmlns:p14="http://schemas.microsoft.com/office/powerpoint/2010/main" val="2225443916"/>
       </p:ext>
     </p:extLst>
   </p:cSld>
